--- a/Prezentace/Maturita/2025/12 cykly.pptx
+++ b/Prezentace/Maturita/2025/12 cykly.pptx
@@ -5,7 +5,7 @@
     <p:sldMasterId id="2147483952" r:id="rId1"/>
   </p:sldMasterIdLst>
   <p:notesMasterIdLst>
-    <p:notesMasterId r:id="rId9"/>
+    <p:notesMasterId r:id="rId7"/>
   </p:notesMasterIdLst>
   <p:sldIdLst>
     <p:sldId id="256" r:id="rId2"/>
@@ -13,8 +13,6 @@
     <p:sldId id="258" r:id="rId4"/>
     <p:sldId id="259" r:id="rId5"/>
     <p:sldId id="260" r:id="rId6"/>
-    <p:sldId id="261" r:id="rId7"/>
-    <p:sldId id="262" r:id="rId8"/>
   </p:sldIdLst>
   <p:sldSz cx="12192000" cy="6858000"/>
   <p:notesSz cx="6858000" cy="9144000"/>
@@ -203,7 +201,7 @@
           <a:p>
             <a:fld id="{0F4CBD7E-8EC4-40D0-831C-FC6BF586B823}" type="datetimeFigureOut">
               <a:rPr lang="cs-CZ" smtClean="0"/>
-              <a:t>27.01.2025</a:t>
+              <a:t>03.02.2025</a:t>
             </a:fld>
             <a:endParaRPr lang="cs-CZ"/>
           </a:p>
@@ -1276,7 +1274,7 @@
           <a:p>
             <a:fld id="{CCDA23A1-6BD0-48D8-A1FE-BC95074C88FA}" type="datetimeFigureOut">
               <a:rPr lang="cs-CZ" smtClean="0"/>
-              <a:t>27.01.2025</a:t>
+              <a:t>03.02.2025</a:t>
             </a:fld>
             <a:endParaRPr lang="cs-CZ"/>
           </a:p>
@@ -1527,7 +1525,7 @@
           <a:p>
             <a:fld id="{CCDA23A1-6BD0-48D8-A1FE-BC95074C88FA}" type="datetimeFigureOut">
               <a:rPr lang="cs-CZ" smtClean="0"/>
-              <a:t>27.01.2025</a:t>
+              <a:t>03.02.2025</a:t>
             </a:fld>
             <a:endParaRPr lang="cs-CZ"/>
           </a:p>
@@ -1841,7 +1839,7 @@
           <a:p>
             <a:fld id="{CCDA23A1-6BD0-48D8-A1FE-BC95074C88FA}" type="datetimeFigureOut">
               <a:rPr lang="cs-CZ" smtClean="0"/>
-              <a:t>27.01.2025</a:t>
+              <a:t>03.02.2025</a:t>
             </a:fld>
             <a:endParaRPr lang="cs-CZ"/>
           </a:p>
@@ -2182,7 +2180,7 @@
           <a:p>
             <a:fld id="{CCDA23A1-6BD0-48D8-A1FE-BC95074C88FA}" type="datetimeFigureOut">
               <a:rPr lang="cs-CZ" smtClean="0"/>
-              <a:t>27.01.2025</a:t>
+              <a:t>03.02.2025</a:t>
             </a:fld>
             <a:endParaRPr lang="cs-CZ"/>
           </a:p>
@@ -2496,7 +2494,7 @@
           <a:p>
             <a:fld id="{CCDA23A1-6BD0-48D8-A1FE-BC95074C88FA}" type="datetimeFigureOut">
               <a:rPr lang="cs-CZ" smtClean="0"/>
-              <a:t>27.01.2025</a:t>
+              <a:t>03.02.2025</a:t>
             </a:fld>
             <a:endParaRPr lang="cs-CZ"/>
           </a:p>
@@ -2889,7 +2887,7 @@
           <a:p>
             <a:fld id="{CCDA23A1-6BD0-48D8-A1FE-BC95074C88FA}" type="datetimeFigureOut">
               <a:rPr lang="cs-CZ" smtClean="0"/>
-              <a:t>27.01.2025</a:t>
+              <a:t>03.02.2025</a:t>
             </a:fld>
             <a:endParaRPr lang="cs-CZ"/>
           </a:p>
@@ -3059,7 +3057,7 @@
           <a:p>
             <a:fld id="{CCDA23A1-6BD0-48D8-A1FE-BC95074C88FA}" type="datetimeFigureOut">
               <a:rPr lang="cs-CZ" smtClean="0"/>
-              <a:t>27.01.2025</a:t>
+              <a:t>03.02.2025</a:t>
             </a:fld>
             <a:endParaRPr lang="cs-CZ"/>
           </a:p>
@@ -3239,7 +3237,7 @@
           <a:p>
             <a:fld id="{CCDA23A1-6BD0-48D8-A1FE-BC95074C88FA}" type="datetimeFigureOut">
               <a:rPr lang="cs-CZ" smtClean="0"/>
-              <a:t>27.01.2025</a:t>
+              <a:t>03.02.2025</a:t>
             </a:fld>
             <a:endParaRPr lang="cs-CZ"/>
           </a:p>
@@ -3415,7 +3413,7 @@
           <a:p>
             <a:fld id="{CCDA23A1-6BD0-48D8-A1FE-BC95074C88FA}" type="datetimeFigureOut">
               <a:rPr lang="cs-CZ" smtClean="0"/>
-              <a:t>27.01.2025</a:t>
+              <a:t>03.02.2025</a:t>
             </a:fld>
             <a:endParaRPr lang="cs-CZ"/>
           </a:p>
@@ -3662,7 +3660,7 @@
           <a:p>
             <a:fld id="{CCDA23A1-6BD0-48D8-A1FE-BC95074C88FA}" type="datetimeFigureOut">
               <a:rPr lang="cs-CZ" smtClean="0"/>
-              <a:t>27.01.2025</a:t>
+              <a:t>03.02.2025</a:t>
             </a:fld>
             <a:endParaRPr lang="cs-CZ"/>
           </a:p>
@@ -3894,7 +3892,7 @@
           <a:p>
             <a:fld id="{CCDA23A1-6BD0-48D8-A1FE-BC95074C88FA}" type="datetimeFigureOut">
               <a:rPr lang="cs-CZ" smtClean="0"/>
-              <a:t>27.01.2025</a:t>
+              <a:t>03.02.2025</a:t>
             </a:fld>
             <a:endParaRPr lang="cs-CZ"/>
           </a:p>
@@ -4268,7 +4266,7 @@
           <a:p>
             <a:fld id="{CCDA23A1-6BD0-48D8-A1FE-BC95074C88FA}" type="datetimeFigureOut">
               <a:rPr lang="cs-CZ" smtClean="0"/>
-              <a:t>27.01.2025</a:t>
+              <a:t>03.02.2025</a:t>
             </a:fld>
             <a:endParaRPr lang="cs-CZ"/>
           </a:p>
@@ -4391,7 +4389,7 @@
           <a:p>
             <a:fld id="{CCDA23A1-6BD0-48D8-A1FE-BC95074C88FA}" type="datetimeFigureOut">
               <a:rPr lang="cs-CZ" smtClean="0"/>
-              <a:t>27.01.2025</a:t>
+              <a:t>03.02.2025</a:t>
             </a:fld>
             <a:endParaRPr lang="cs-CZ"/>
           </a:p>
@@ -4486,7 +4484,7 @@
           <a:p>
             <a:fld id="{CCDA23A1-6BD0-48D8-A1FE-BC95074C88FA}" type="datetimeFigureOut">
               <a:rPr lang="cs-CZ" smtClean="0"/>
-              <a:t>27.01.2025</a:t>
+              <a:t>03.02.2025</a:t>
             </a:fld>
             <a:endParaRPr lang="cs-CZ"/>
           </a:p>
@@ -4741,7 +4739,7 @@
           <a:p>
             <a:fld id="{CCDA23A1-6BD0-48D8-A1FE-BC95074C88FA}" type="datetimeFigureOut">
               <a:rPr lang="cs-CZ" smtClean="0"/>
-              <a:t>27.01.2025</a:t>
+              <a:t>03.02.2025</a:t>
             </a:fld>
             <a:endParaRPr lang="cs-CZ"/>
           </a:p>
@@ -5004,7 +5002,7 @@
           <a:p>
             <a:fld id="{CCDA23A1-6BD0-48D8-A1FE-BC95074C88FA}" type="datetimeFigureOut">
               <a:rPr lang="cs-CZ" smtClean="0"/>
-              <a:t>27.01.2025</a:t>
+              <a:t>03.02.2025</a:t>
             </a:fld>
             <a:endParaRPr lang="cs-CZ"/>
           </a:p>
@@ -5747,7 +5745,7 @@
           <a:p>
             <a:fld id="{CCDA23A1-6BD0-48D8-A1FE-BC95074C88FA}" type="datetimeFigureOut">
               <a:rPr lang="cs-CZ" smtClean="0"/>
-              <a:t>27.01.2025</a:t>
+              <a:t>03.02.2025</a:t>
             </a:fld>
             <a:endParaRPr lang="cs-CZ"/>
           </a:p>
@@ -6417,7 +6415,7 @@
           <a:p>
             <a:r>
               <a:rPr lang="cs-CZ" sz="1600" dirty="0"/>
-              <a:t>Soubor</a:t>
+              <a:t>Strukturované příkazy cyklů</a:t>
             </a:r>
           </a:p>
         </p:txBody>
@@ -7272,7 +7270,7 @@
           <p:cNvPr id="2" name="Nadpis 1">
             <a:extLst>
               <a:ext uri="{FF2B5EF4-FFF2-40B4-BE49-F238E27FC236}">
-                <a16:creationId xmlns:a16="http://schemas.microsoft.com/office/drawing/2014/main" id="{B255C2CE-9C31-172D-F845-9F79119A01AB}"/>
+                <a16:creationId xmlns:a16="http://schemas.microsoft.com/office/drawing/2014/main" id="{896E7085-A39E-0002-3A00-6E3607D2CA5F}"/>
               </a:ext>
             </a:extLst>
           </p:cNvPr>
@@ -7290,7 +7288,7 @@
           <a:p>
             <a:r>
               <a:rPr lang="cs-CZ" dirty="0"/>
-              <a:t>Práce se souborem</a:t>
+              <a:t>Cykly</a:t>
             </a:r>
           </a:p>
         </p:txBody>
@@ -7300,7 +7298,7 @@
           <p:cNvPr id="3" name="Zástupný obsah 2">
             <a:extLst>
               <a:ext uri="{FF2B5EF4-FFF2-40B4-BE49-F238E27FC236}">
-                <a16:creationId xmlns:a16="http://schemas.microsoft.com/office/drawing/2014/main" id="{08D74CB0-3BC7-72E9-28C2-4CBC1D8B7949}"/>
+                <a16:creationId xmlns:a16="http://schemas.microsoft.com/office/drawing/2014/main" id="{B13F52CC-BE04-A3EB-0AA0-0BE4292F1E45}"/>
               </a:ext>
             </a:extLst>
           </p:cNvPr>
@@ -7318,57 +7316,77 @@
           <a:p>
             <a:r>
               <a:rPr lang="cs-CZ" dirty="0"/>
-              <a:t>Knihovna System.IO</a:t>
+              <a:t>Cykly využíváme v programování v momentě, kdy potřebujeme určitou část algoritmu opakovat</a:t>
             </a:r>
           </a:p>
           <a:p>
             <a:r>
               <a:rPr lang="cs-CZ" dirty="0"/>
-              <a:t>Pro práci se souborem využíváme STREAM (datový proud)</a:t>
+              <a:t>Konstrukce cyklu je efektivnější, než pokud bychom měli určitou část algoritmu duplikovat</a:t>
             </a:r>
           </a:p>
           <a:p>
             <a:r>
               <a:rPr lang="cs-CZ" dirty="0"/>
-              <a:t>Na základě typu souboru využíváme konkrétní třídu streamu</a:t>
-            </a:r>
-          </a:p>
-          <a:p>
+              <a:t>Aby nedošlo k zacyklení je část algoritmu opakována do momentu, kdy je splněná daná podmínka</a:t>
+            </a:r>
+          </a:p>
+          <a:p>
+            <a:r>
+              <a:rPr lang="cs-CZ" dirty="0"/>
+              <a:t>Podmínka rovněž musí být jednoznačná a její výsledek musí být pravda/nepravda</a:t>
+            </a:r>
+          </a:p>
+          <a:p>
+            <a:r>
+              <a:rPr lang="cs-CZ" u="sng" dirty="0"/>
+              <a:t>Cykly dělíme podle znalosti počtu opakování:</a:t>
+            </a:r>
+          </a:p>
+          <a:p>
+            <a:r>
+              <a:rPr lang="cs-CZ" dirty="0"/>
+              <a:t>Pevný počet opakování – </a:t>
+            </a:r>
+            <a:r>
+              <a:rPr lang="cs-CZ" dirty="0" err="1"/>
+              <a:t>for</a:t>
+            </a:r>
+            <a:r>
+              <a:rPr lang="cs-CZ" dirty="0"/>
+              <a:t>, </a:t>
+            </a:r>
+            <a:r>
+              <a:rPr lang="cs-CZ" dirty="0" err="1"/>
+              <a:t>foreach</a:t>
+            </a:r>
             <a:endParaRPr lang="cs-CZ" dirty="0"/>
           </a:p>
           <a:p>
             <a:r>
               <a:rPr lang="cs-CZ" dirty="0"/>
-              <a:t>Postup práce se souborem</a:t>
-            </a:r>
-          </a:p>
-          <a:p>
-            <a:pPr lvl="1"/>
+              <a:t>Neznámý počet opakování – </a:t>
+            </a:r>
+            <a:r>
+              <a:rPr lang="cs-CZ" dirty="0" err="1"/>
+              <a:t>while</a:t>
+            </a:r>
             <a:r>
               <a:rPr lang="cs-CZ" dirty="0"/>
-              <a:t>Vytvoření streamu pro čtení nebo zápis</a:t>
-            </a:r>
-          </a:p>
-          <a:p>
-            <a:pPr lvl="1"/>
-            <a:r>
-              <a:rPr lang="cs-CZ" dirty="0"/>
-              <a:t>Práce se souborem</a:t>
-            </a:r>
-          </a:p>
-          <a:p>
-            <a:pPr lvl="1"/>
-            <a:r>
-              <a:rPr lang="cs-CZ" dirty="0"/>
-              <a:t>Uzavření streamu</a:t>
-            </a:r>
+              <a:t>, do-</a:t>
+            </a:r>
+            <a:r>
+              <a:rPr lang="cs-CZ" dirty="0" err="1"/>
+              <a:t>while</a:t>
+            </a:r>
+            <a:endParaRPr lang="cs-CZ" dirty="0"/>
           </a:p>
         </p:txBody>
       </p:sp>
     </p:spTree>
     <p:extLst>
       <p:ext uri="{BB962C8B-B14F-4D97-AF65-F5344CB8AC3E}">
-        <p14:creationId xmlns:p14="http://schemas.microsoft.com/office/powerpoint/2010/main" val="2876871635"/>
+        <p14:creationId xmlns:p14="http://schemas.microsoft.com/office/powerpoint/2010/main" val="2634147705"/>
       </p:ext>
     </p:extLst>
   </p:cSld>
@@ -7400,7 +7418,7 @@
           <p:cNvPr id="2" name="Nadpis 1">
             <a:extLst>
               <a:ext uri="{FF2B5EF4-FFF2-40B4-BE49-F238E27FC236}">
-                <a16:creationId xmlns:a16="http://schemas.microsoft.com/office/drawing/2014/main" id="{7E49BBA8-E758-8C03-4310-54313723E5B1}"/>
+                <a16:creationId xmlns:a16="http://schemas.microsoft.com/office/drawing/2014/main" id="{0CCA29E8-EFF9-7567-AD9B-3AA4EEA78D33}"/>
               </a:ext>
             </a:extLst>
           </p:cNvPr>
@@ -7418,13 +7436,8 @@
           <a:p>
             <a:r>
               <a:rPr lang="cs-CZ" dirty="0"/>
-              <a:t>Třída </a:t>
-            </a:r>
-            <a:r>
-              <a:rPr lang="cs-CZ" dirty="0" err="1"/>
-              <a:t>File</a:t>
-            </a:r>
-            <a:endParaRPr lang="cs-CZ" dirty="0"/>
+              <a:t>WHILE, DO-WHILE</a:t>
+            </a:r>
           </a:p>
         </p:txBody>
       </p:sp>
@@ -7433,7 +7446,7 @@
           <p:cNvPr id="3" name="Zástupný obsah 2">
             <a:extLst>
               <a:ext uri="{FF2B5EF4-FFF2-40B4-BE49-F238E27FC236}">
-                <a16:creationId xmlns:a16="http://schemas.microsoft.com/office/drawing/2014/main" id="{3CCC5CFD-5D73-9280-AF48-3B5FCAACABB9}"/>
+                <a16:creationId xmlns:a16="http://schemas.microsoft.com/office/drawing/2014/main" id="{592DD0ED-0E0B-A362-A6C0-2071ECEB07A1}"/>
               </a:ext>
             </a:extLst>
           </p:cNvPr>
@@ -7451,54 +7464,82 @@
           <a:p>
             <a:r>
               <a:rPr lang="cs-CZ" dirty="0"/>
-              <a:t>Statická třída pro práci se souborem</a:t>
+              <a:t>Cykly s neznámým počtem opakování</a:t>
             </a:r>
           </a:p>
           <a:p>
             <a:r>
               <a:rPr lang="cs-CZ" dirty="0"/>
-              <a:t>Třída umožňuje čtená a zápis pro binární i textové soubory</a:t>
+              <a:t>Rozdíl mezi těmito jednoduchými cykly je, kdy se kontroluje podmínka rozhodující o pokračování nebo ukončení cyklu</a:t>
             </a:r>
           </a:p>
           <a:p>
             <a:r>
               <a:rPr lang="cs-CZ" dirty="0"/>
-              <a:t>Rovněž umožňuje soubor</a:t>
-            </a:r>
-          </a:p>
-          <a:p>
-            <a:pPr lvl="1"/>
+              <a:t>Do-</a:t>
+            </a:r>
+            <a:r>
+              <a:rPr lang="cs-CZ" dirty="0" err="1"/>
+              <a:t>while</a:t>
+            </a:r>
             <a:r>
               <a:rPr lang="cs-CZ" dirty="0"/>
-              <a:t>Mazat</a:t>
-            </a:r>
-          </a:p>
-          <a:p>
-            <a:pPr lvl="1"/>
+              <a:t> se provede alespoň jednou, </a:t>
+            </a:r>
+            <a:r>
+              <a:rPr lang="cs-CZ" dirty="0" err="1"/>
+              <a:t>while</a:t>
+            </a:r>
             <a:r>
               <a:rPr lang="cs-CZ" dirty="0"/>
-              <a:t>Kopírovat</a:t>
-            </a:r>
-          </a:p>
-          <a:p>
-            <a:pPr lvl="1"/>
-            <a:r>
-              <a:rPr lang="cs-CZ" dirty="0"/>
-              <a:t>Zjistit jeho existenci</a:t>
-            </a:r>
-          </a:p>
-          <a:p>
-            <a:r>
-              <a:rPr lang="cs-CZ" dirty="0"/>
-              <a:t>Pro práci s touto třídou není třeba vytvářet datový proud</a:t>
-            </a:r>
-          </a:p>
-        </p:txBody>
-      </p:sp>
+              <a:t> se nemusí provést ani jednou</a:t>
+            </a:r>
+          </a:p>
+          <a:p>
+            <a:r>
+              <a:rPr lang="cs-CZ" u="sng" dirty="0"/>
+              <a:t>Syntaxe:</a:t>
+            </a:r>
+          </a:p>
+          <a:p>
+            <a:endParaRPr lang="cs-CZ" dirty="0"/>
+          </a:p>
+        </p:txBody>
+      </p:sp>
+      <p:pic>
+        <p:nvPicPr>
+          <p:cNvPr id="5" name="Obrázek 4">
+            <a:extLst>
+              <a:ext uri="{FF2B5EF4-FFF2-40B4-BE49-F238E27FC236}">
+                <a16:creationId xmlns:a16="http://schemas.microsoft.com/office/drawing/2014/main" id="{CFEDAC45-B085-9E1C-8DD5-60879FBA589A}"/>
+              </a:ext>
+            </a:extLst>
+          </p:cNvPr>
+          <p:cNvPicPr>
+            <a:picLocks noChangeAspect="1"/>
+          </p:cNvPicPr>
+          <p:nvPr/>
+        </p:nvPicPr>
+        <p:blipFill>
+          <a:blip r:embed="rId2"/>
+          <a:stretch>
+            <a:fillRect/>
+          </a:stretch>
+        </p:blipFill>
+        <p:spPr>
+          <a:xfrm>
+            <a:off x="1930594" y="4276144"/>
+            <a:ext cx="6090148" cy="1995407"/>
+          </a:xfrm>
+          <a:prstGeom prst="rect">
+            <a:avLst/>
+          </a:prstGeom>
+        </p:spPr>
+      </p:pic>
     </p:spTree>
     <p:extLst>
       <p:ext uri="{BB962C8B-B14F-4D97-AF65-F5344CB8AC3E}">
-        <p14:creationId xmlns:p14="http://schemas.microsoft.com/office/powerpoint/2010/main" val="3182703390"/>
+        <p14:creationId xmlns:p14="http://schemas.microsoft.com/office/powerpoint/2010/main" val="1389205723"/>
       </p:ext>
     </p:extLst>
   </p:cSld>
@@ -7530,7 +7571,7 @@
           <p:cNvPr id="2" name="Nadpis 1">
             <a:extLst>
               <a:ext uri="{FF2B5EF4-FFF2-40B4-BE49-F238E27FC236}">
-                <a16:creationId xmlns:a16="http://schemas.microsoft.com/office/drawing/2014/main" id="{4A0D1AD2-000C-E637-23EC-80C45E99B246}"/>
+                <a16:creationId xmlns:a16="http://schemas.microsoft.com/office/drawing/2014/main" id="{CD13AF2E-DA65-F57D-D4E6-F8ACF8960031}"/>
               </a:ext>
             </a:extLst>
           </p:cNvPr>
@@ -7548,7 +7589,7 @@
           <a:p>
             <a:r>
               <a:rPr lang="cs-CZ" dirty="0"/>
-              <a:t>Typy souborů</a:t>
+              <a:t>FOR</a:t>
             </a:r>
           </a:p>
         </p:txBody>
@@ -7558,7 +7599,7 @@
           <p:cNvPr id="3" name="Zástupný obsah 2">
             <a:extLst>
               <a:ext uri="{FF2B5EF4-FFF2-40B4-BE49-F238E27FC236}">
-                <a16:creationId xmlns:a16="http://schemas.microsoft.com/office/drawing/2014/main" id="{D8C68E07-D51E-BDD0-4D1F-5BE1EDC11D5B}"/>
+                <a16:creationId xmlns:a16="http://schemas.microsoft.com/office/drawing/2014/main" id="{0C14ECBB-CFDC-C922-0E10-FC6DE3AAF723}"/>
               </a:ext>
             </a:extLst>
           </p:cNvPr>
@@ -7576,117 +7617,78 @@
           <a:p>
             <a:r>
               <a:rPr lang="cs-CZ" dirty="0"/>
-              <a:t>Binární soubory</a:t>
-            </a:r>
-          </a:p>
-          <a:p>
-            <a:pPr lvl="1"/>
+              <a:t>Cyklus umožňující provést určitou část kódu pro přesně daný počet opakování</a:t>
+            </a:r>
+          </a:p>
+          <a:p>
             <a:r>
               <a:rPr lang="cs-CZ" dirty="0"/>
-              <a:t>Veřejné (.</a:t>
-            </a:r>
-            <a:r>
-              <a:rPr lang="cs-CZ" dirty="0" err="1"/>
-              <a:t>png</a:t>
-            </a:r>
+              <a:t>Podmínka obsažená v syntaxi je vztažená k řídící proměnné, která je s každým opakováním měněna</a:t>
+            </a:r>
+          </a:p>
+          <a:p>
             <a:r>
               <a:rPr lang="cs-CZ" dirty="0"/>
-              <a:t>, .</a:t>
-            </a:r>
-            <a:r>
-              <a:rPr lang="cs-CZ" dirty="0" err="1"/>
-              <a:t>jpg</a:t>
+              <a:t>Obvykle se využívá pro změnu řídící proměnné operátoru </a:t>
+            </a:r>
+            <a:r>
+              <a:rPr lang="cs-CZ" b="1" dirty="0"/>
+              <a:t>++</a:t>
             </a:r>
             <a:r>
               <a:rPr lang="cs-CZ" dirty="0"/>
-              <a:t>, …)</a:t>
-            </a:r>
-          </a:p>
-          <a:p>
-            <a:pPr lvl="1"/>
-            <a:r>
-              <a:rPr lang="cs-CZ" dirty="0"/>
-              <a:t>Proprietární (.</a:t>
-            </a:r>
-            <a:r>
-              <a:rPr lang="cs-CZ" dirty="0" err="1"/>
-              <a:t>dockx</a:t>
-            </a:r>
-            <a:r>
-              <a:rPr lang="cs-CZ" dirty="0"/>
-              <a:t>, …)</a:t>
-            </a:r>
-          </a:p>
-          <a:p>
-            <a:r>
-              <a:rPr lang="cs-CZ" dirty="0"/>
-              <a:t>Textové soubory</a:t>
-            </a:r>
-          </a:p>
-          <a:p>
-            <a:pPr lvl="1"/>
-            <a:r>
-              <a:rPr lang="cs-CZ" dirty="0"/>
-              <a:t>Strukturované (.</a:t>
-            </a:r>
-            <a:r>
-              <a:rPr lang="cs-CZ" dirty="0" err="1"/>
-              <a:t>csv</a:t>
-            </a:r>
-            <a:r>
-              <a:rPr lang="cs-CZ" dirty="0"/>
-              <a:t>, .</a:t>
-            </a:r>
-            <a:r>
-              <a:rPr lang="cs-CZ" dirty="0" err="1"/>
-              <a:t>xml</a:t>
-            </a:r>
-            <a:r>
-              <a:rPr lang="cs-CZ" dirty="0"/>
-              <a:t>, …)</a:t>
-            </a:r>
-          </a:p>
-          <a:p>
-            <a:pPr lvl="1"/>
-            <a:r>
-              <a:rPr lang="cs-CZ" dirty="0"/>
-              <a:t>Nestrukturované (.</a:t>
-            </a:r>
-            <a:r>
-              <a:rPr lang="cs-CZ" dirty="0" err="1"/>
-              <a:t>txt</a:t>
-            </a:r>
-            <a:r>
-              <a:rPr lang="cs-CZ" dirty="0"/>
-              <a:t>)</a:t>
+              <a:t> a </a:t>
+            </a:r>
+            <a:r>
+              <a:rPr lang="cs-CZ" b="1" dirty="0"/>
+              <a:t>--</a:t>
+            </a:r>
+          </a:p>
+          <a:p>
+            <a:r>
+              <a:rPr lang="cs-CZ" u="sng" dirty="0"/>
+              <a:t>Syntaxe:</a:t>
             </a:r>
           </a:p>
           <a:p>
             <a:endParaRPr lang="cs-CZ" dirty="0"/>
           </a:p>
-          <a:p>
-            <a:r>
-              <a:rPr lang="cs-CZ" dirty="0"/>
-              <a:t>K souborům přistupujeme skrze cestu (</a:t>
-            </a:r>
-            <a:r>
-              <a:rPr lang="cs-CZ" dirty="0" err="1"/>
-              <a:t>path</a:t>
-            </a:r>
-            <a:r>
-              <a:rPr lang="cs-CZ" dirty="0"/>
-              <a:t>) v textové podobě</a:t>
-            </a:r>
-          </a:p>
-          <a:p>
-            <a:endParaRPr lang="cs-CZ" dirty="0"/>
-          </a:p>
-        </p:txBody>
-      </p:sp>
+        </p:txBody>
+      </p:sp>
+      <p:pic>
+        <p:nvPicPr>
+          <p:cNvPr id="5" name="Obrázek 4">
+            <a:extLst>
+              <a:ext uri="{FF2B5EF4-FFF2-40B4-BE49-F238E27FC236}">
+                <a16:creationId xmlns:a16="http://schemas.microsoft.com/office/drawing/2014/main" id="{3521C6CA-EE2A-DEF6-8126-97826DCF3001}"/>
+              </a:ext>
+            </a:extLst>
+          </p:cNvPr>
+          <p:cNvPicPr>
+            <a:picLocks noChangeAspect="1"/>
+          </p:cNvPicPr>
+          <p:nvPr/>
+        </p:nvPicPr>
+        <p:blipFill>
+          <a:blip r:embed="rId2"/>
+          <a:stretch>
+            <a:fillRect/>
+          </a:stretch>
+        </p:blipFill>
+        <p:spPr>
+          <a:xfrm>
+            <a:off x="1396752" y="4653719"/>
+            <a:ext cx="7157832" cy="937486"/>
+          </a:xfrm>
+          <a:prstGeom prst="rect">
+            <a:avLst/>
+          </a:prstGeom>
+        </p:spPr>
+      </p:pic>
     </p:spTree>
     <p:extLst>
       <p:ext uri="{BB962C8B-B14F-4D97-AF65-F5344CB8AC3E}">
-        <p14:creationId xmlns:p14="http://schemas.microsoft.com/office/powerpoint/2010/main" val="1496844050"/>
+        <p14:creationId xmlns:p14="http://schemas.microsoft.com/office/powerpoint/2010/main" val="1542901769"/>
       </p:ext>
     </p:extLst>
   </p:cSld>
@@ -7718,7 +7720,7 @@
           <p:cNvPr id="2" name="Nadpis 1">
             <a:extLst>
               <a:ext uri="{FF2B5EF4-FFF2-40B4-BE49-F238E27FC236}">
-                <a16:creationId xmlns:a16="http://schemas.microsoft.com/office/drawing/2014/main" id="{8F56E141-F637-375F-55DF-C44E029F90BA}"/>
+                <a16:creationId xmlns:a16="http://schemas.microsoft.com/office/drawing/2014/main" id="{B295C982-9C7E-A087-8FF7-39CE66885EF8}"/>
               </a:ext>
             </a:extLst>
           </p:cNvPr>
@@ -7735,10 +7737,9 @@
           <a:lstStyle/>
           <a:p>
             <a:r>
-              <a:rPr lang="cs-CZ" dirty="0" err="1"/>
-              <a:t>FileStream</a:t>
-            </a:r>
-            <a:endParaRPr lang="cs-CZ" dirty="0"/>
+              <a:rPr lang="cs-CZ" dirty="0"/>
+              <a:t>FOREACH</a:t>
+            </a:r>
           </a:p>
         </p:txBody>
       </p:sp>
@@ -7747,7 +7748,7 @@
           <p:cNvPr id="3" name="Zástupný obsah 2">
             <a:extLst>
               <a:ext uri="{FF2B5EF4-FFF2-40B4-BE49-F238E27FC236}">
-                <a16:creationId xmlns:a16="http://schemas.microsoft.com/office/drawing/2014/main" id="{088DEF64-1E1C-EA73-B66C-4D1009B09B57}"/>
+                <a16:creationId xmlns:a16="http://schemas.microsoft.com/office/drawing/2014/main" id="{39EAAEB1-78F2-EFE4-0D98-CF77B03209E5}"/>
               </a:ext>
             </a:extLst>
           </p:cNvPr>
@@ -7765,48 +7766,37 @@
           <a:p>
             <a:r>
               <a:rPr lang="cs-CZ" dirty="0"/>
-              <a:t>Třída pro práci s binárními soubory</a:t>
+              <a:t>Strukturovaná konstrukce cyklu sloužící pro interakci a průchod kolekcí, například pole nebo list</a:t>
             </a:r>
           </a:p>
           <a:p>
             <a:r>
               <a:rPr lang="cs-CZ" dirty="0"/>
-              <a:t>Při čtení i zápisu se data převádí na bloky bytů</a:t>
+              <a:t>Cyklus automaticky iteruje přes všechny prvky od počátečního až ke koncovému</a:t>
             </a:r>
           </a:p>
           <a:p>
             <a:r>
               <a:rPr lang="cs-CZ" dirty="0"/>
-              <a:t>Pro zápis existuje pouze funkce </a:t>
+              <a:t>Vhodný v momentě, kdy potřebujeme projít všechny prvky bez potřeby hlídat hodnotu řídící </a:t>
             </a:r>
             <a:r>
               <a:rPr lang="cs-CZ" dirty="0" err="1"/>
-              <a:t>Write</a:t>
-            </a:r>
-            <a:endParaRPr lang="cs-CZ" dirty="0"/>
-          </a:p>
-          <a:p>
+              <a:t>proměné</a:t>
+            </a:r>
             <a:r>
               <a:rPr lang="cs-CZ" dirty="0"/>
-              <a:t>Při zápisu i čtení je třeba myslet na použité kódování</a:t>
-            </a:r>
-          </a:p>
-          <a:p>
-            <a:r>
-              <a:rPr lang="cs-CZ" dirty="0"/>
-              <a:t>Pomocí funkce </a:t>
-            </a:r>
-            <a:r>
-              <a:rPr lang="cs-CZ" dirty="0" err="1"/>
-              <a:t>GetBytes</a:t>
-            </a:r>
-            <a:r>
-              <a:rPr lang="cs-CZ" dirty="0"/>
-              <a:t>() převedeme data do potřebné podoby</a:t>
-            </a:r>
-          </a:p>
-          <a:p>
-            <a:endParaRPr lang="cs-CZ" dirty="0"/>
+              <a:t> (indexu)</a:t>
+            </a:r>
+          </a:p>
+          <a:p>
+            <a:r>
+              <a:rPr lang="cs-CZ" u="sng" dirty="0"/>
+              <a:t>Syntaxe:</a:t>
+            </a:r>
+          </a:p>
+          <a:p>
+            <a:endParaRPr lang="cs-CZ" u="sng" dirty="0"/>
           </a:p>
         </p:txBody>
       </p:sp>
@@ -7815,7 +7805,7 @@
           <p:cNvPr id="5" name="Obrázek 4">
             <a:extLst>
               <a:ext uri="{FF2B5EF4-FFF2-40B4-BE49-F238E27FC236}">
-                <a16:creationId xmlns:a16="http://schemas.microsoft.com/office/drawing/2014/main" id="{FC0C65E4-6530-BEAA-C454-8DD5B0210996}"/>
+                <a16:creationId xmlns:a16="http://schemas.microsoft.com/office/drawing/2014/main" id="{1CFB7821-553F-C64B-6A47-A98FA5AA7C4C}"/>
               </a:ext>
             </a:extLst>
           </p:cNvPr>
@@ -7832,8 +7822,8 @@
         </p:blipFill>
         <p:spPr>
           <a:xfrm>
-            <a:off x="1097280" y="4347046"/>
-            <a:ext cx="5683898" cy="1522048"/>
+            <a:off x="1412040" y="5113401"/>
+            <a:ext cx="7127256" cy="927961"/>
           </a:xfrm>
           <a:prstGeom prst="rect">
             <a:avLst/>
@@ -7843,319 +7833,7 @@
     </p:spTree>
     <p:extLst>
       <p:ext uri="{BB962C8B-B14F-4D97-AF65-F5344CB8AC3E}">
-        <p14:creationId xmlns:p14="http://schemas.microsoft.com/office/powerpoint/2010/main" val="2601043647"/>
-      </p:ext>
-    </p:extLst>
-  </p:cSld>
-  <p:clrMapOvr>
-    <a:masterClrMapping/>
-  </p:clrMapOvr>
-</p:sld>
-</file>
-
-<file path=ppt/slides/slide6.xml><?xml version="1.0" encoding="utf-8"?>
-<p:sld xmlns:a="http://schemas.openxmlformats.org/drawingml/2006/main" xmlns:r="http://schemas.openxmlformats.org/officeDocument/2006/relationships" xmlns:p="http://schemas.openxmlformats.org/presentationml/2006/main">
-  <p:cSld>
-    <p:spTree>
-      <p:nvGrpSpPr>
-        <p:cNvPr id="1" name=""/>
-        <p:cNvGrpSpPr/>
-        <p:nvPr/>
-      </p:nvGrpSpPr>
-      <p:grpSpPr>
-        <a:xfrm>
-          <a:off x="0" y="0"/>
-          <a:ext cx="0" cy="0"/>
-          <a:chOff x="0" y="0"/>
-          <a:chExt cx="0" cy="0"/>
-        </a:xfrm>
-      </p:grpSpPr>
-      <p:sp>
-        <p:nvSpPr>
-          <p:cNvPr id="2" name="Nadpis 1">
-            <a:extLst>
-              <a:ext uri="{FF2B5EF4-FFF2-40B4-BE49-F238E27FC236}">
-                <a16:creationId xmlns:a16="http://schemas.microsoft.com/office/drawing/2014/main" id="{9F32960E-616D-E8FB-75FF-06FED58381CF}"/>
-              </a:ext>
-            </a:extLst>
-          </p:cNvPr>
-          <p:cNvSpPr>
-            <a:spLocks noGrp="1"/>
-          </p:cNvSpPr>
-          <p:nvPr>
-            <p:ph type="title"/>
-          </p:nvPr>
-        </p:nvSpPr>
-        <p:spPr/>
-        <p:txBody>
-          <a:bodyPr/>
-          <a:lstStyle/>
-          <a:p>
-            <a:r>
-              <a:rPr lang="cs-CZ" dirty="0" err="1"/>
-              <a:t>StreamReader</a:t>
-            </a:r>
-            <a:r>
-              <a:rPr lang="cs-CZ" dirty="0"/>
-              <a:t>, </a:t>
-            </a:r>
-            <a:r>
-              <a:rPr lang="cs-CZ" dirty="0" err="1"/>
-              <a:t>StreamWriter</a:t>
-            </a:r>
-            <a:endParaRPr lang="cs-CZ" dirty="0"/>
-          </a:p>
-        </p:txBody>
-      </p:sp>
-      <p:sp>
-        <p:nvSpPr>
-          <p:cNvPr id="3" name="Zástupný obsah 2">
-            <a:extLst>
-              <a:ext uri="{FF2B5EF4-FFF2-40B4-BE49-F238E27FC236}">
-                <a16:creationId xmlns:a16="http://schemas.microsoft.com/office/drawing/2014/main" id="{B6ADF270-F713-0030-25AD-F0FB8EB69E17}"/>
-              </a:ext>
-            </a:extLst>
-          </p:cNvPr>
-          <p:cNvSpPr>
-            <a:spLocks noGrp="1"/>
-          </p:cNvSpPr>
-          <p:nvPr>
-            <p:ph idx="1"/>
-          </p:nvPr>
-        </p:nvSpPr>
-        <p:spPr/>
-        <p:txBody>
-          <a:bodyPr/>
-          <a:lstStyle/>
-          <a:p>
-            <a:r>
-              <a:rPr lang="cs-CZ"/>
-              <a:t>Třídy umožňující přenos textových souborů</a:t>
-            </a:r>
-          </a:p>
-          <a:p>
-            <a:r>
-              <a:rPr lang="cs-CZ"/>
-              <a:t>Data zapisujeme a čteme v podobě řetězců</a:t>
-            </a:r>
-          </a:p>
-          <a:p>
-            <a:pPr lvl="1"/>
-            <a:r>
-              <a:rPr lang="cs-CZ"/>
-              <a:t>Data jsou z bloků bytů konvertovány na string</a:t>
-            </a:r>
-          </a:p>
-          <a:p>
-            <a:r>
-              <a:rPr lang="cs-CZ"/>
-              <a:t>Přístupem čtení a zápisu se přibližují práci s konzolí</a:t>
-            </a:r>
-          </a:p>
-          <a:p>
-            <a:pPr marL="0" indent="0">
-              <a:buNone/>
-            </a:pPr>
-            <a:r>
-              <a:rPr lang="cs-CZ"/>
-              <a:t> </a:t>
-            </a:r>
-            <a:endParaRPr lang="cs-CZ" dirty="0"/>
-          </a:p>
-        </p:txBody>
-      </p:sp>
-      <p:pic>
-        <p:nvPicPr>
-          <p:cNvPr id="5" name="Obrázek 4">
-            <a:extLst>
-              <a:ext uri="{FF2B5EF4-FFF2-40B4-BE49-F238E27FC236}">
-                <a16:creationId xmlns:a16="http://schemas.microsoft.com/office/drawing/2014/main" id="{248B2E10-1B76-E19D-B812-DD5C7E0A6E39}"/>
-              </a:ext>
-            </a:extLst>
-          </p:cNvPr>
-          <p:cNvPicPr>
-            <a:picLocks noChangeAspect="1"/>
-          </p:cNvPicPr>
-          <p:nvPr/>
-        </p:nvPicPr>
-        <p:blipFill>
-          <a:blip r:embed="rId2"/>
-          <a:stretch>
-            <a:fillRect/>
-          </a:stretch>
-        </p:blipFill>
-        <p:spPr>
-          <a:xfrm>
-            <a:off x="1097280" y="3778519"/>
-            <a:ext cx="7080503" cy="1537400"/>
-          </a:xfrm>
-          <a:prstGeom prst="rect">
-            <a:avLst/>
-          </a:prstGeom>
-        </p:spPr>
-      </p:pic>
-      <p:pic>
-        <p:nvPicPr>
-          <p:cNvPr id="7" name="Obrázek 6">
-            <a:extLst>
-              <a:ext uri="{FF2B5EF4-FFF2-40B4-BE49-F238E27FC236}">
-                <a16:creationId xmlns:a16="http://schemas.microsoft.com/office/drawing/2014/main" id="{D34A8A46-4D66-B63B-D948-7AAE0E6D9D15}"/>
-              </a:ext>
-            </a:extLst>
-          </p:cNvPr>
-          <p:cNvPicPr>
-            <a:picLocks noChangeAspect="1"/>
-          </p:cNvPicPr>
-          <p:nvPr/>
-        </p:nvPicPr>
-        <p:blipFill>
-          <a:blip r:embed="rId3"/>
-          <a:stretch>
-            <a:fillRect/>
-          </a:stretch>
-        </p:blipFill>
-        <p:spPr>
-          <a:xfrm>
-            <a:off x="5888145" y="1845734"/>
-            <a:ext cx="6303855" cy="1139400"/>
-          </a:xfrm>
-          <a:prstGeom prst="rect">
-            <a:avLst/>
-          </a:prstGeom>
-        </p:spPr>
-      </p:pic>
-    </p:spTree>
-    <p:extLst>
-      <p:ext uri="{BB962C8B-B14F-4D97-AF65-F5344CB8AC3E}">
-        <p14:creationId xmlns:p14="http://schemas.microsoft.com/office/powerpoint/2010/main" val="886776033"/>
-      </p:ext>
-    </p:extLst>
-  </p:cSld>
-  <p:clrMapOvr>
-    <a:masterClrMapping/>
-  </p:clrMapOvr>
-</p:sld>
-</file>
-
-<file path=ppt/slides/slide7.xml><?xml version="1.0" encoding="utf-8"?>
-<p:sld xmlns:a="http://schemas.openxmlformats.org/drawingml/2006/main" xmlns:r="http://schemas.openxmlformats.org/officeDocument/2006/relationships" xmlns:p="http://schemas.openxmlformats.org/presentationml/2006/main">
-  <p:cSld>
-    <p:spTree>
-      <p:nvGrpSpPr>
-        <p:cNvPr id="1" name=""/>
-        <p:cNvGrpSpPr/>
-        <p:nvPr/>
-      </p:nvGrpSpPr>
-      <p:grpSpPr>
-        <a:xfrm>
-          <a:off x="0" y="0"/>
-          <a:ext cx="0" cy="0"/>
-          <a:chOff x="0" y="0"/>
-          <a:chExt cx="0" cy="0"/>
-        </a:xfrm>
-      </p:grpSpPr>
-      <p:sp>
-        <p:nvSpPr>
-          <p:cNvPr id="2" name="Nadpis 1">
-            <a:extLst>
-              <a:ext uri="{FF2B5EF4-FFF2-40B4-BE49-F238E27FC236}">
-                <a16:creationId xmlns:a16="http://schemas.microsoft.com/office/drawing/2014/main" id="{54F5CF49-8FDF-CC3D-13A9-1D8B9620A3F3}"/>
-              </a:ext>
-            </a:extLst>
-          </p:cNvPr>
-          <p:cNvSpPr>
-            <a:spLocks noGrp="1"/>
-          </p:cNvSpPr>
-          <p:nvPr>
-            <p:ph type="title"/>
-          </p:nvPr>
-        </p:nvSpPr>
-        <p:spPr/>
-        <p:txBody>
-          <a:bodyPr/>
-          <a:lstStyle/>
-          <a:p>
-            <a:r>
-              <a:rPr lang="cs-CZ" dirty="0"/>
-              <a:t>Dialogy pro ukládání a otevírání souboru</a:t>
-            </a:r>
-          </a:p>
-        </p:txBody>
-      </p:sp>
-      <p:sp>
-        <p:nvSpPr>
-          <p:cNvPr id="3" name="Zástupný obsah 2">
-            <a:extLst>
-              <a:ext uri="{FF2B5EF4-FFF2-40B4-BE49-F238E27FC236}">
-                <a16:creationId xmlns:a16="http://schemas.microsoft.com/office/drawing/2014/main" id="{90F79178-6E08-C1EC-22C6-FC3FA155C447}"/>
-              </a:ext>
-            </a:extLst>
-          </p:cNvPr>
-          <p:cNvSpPr>
-            <a:spLocks noGrp="1"/>
-          </p:cNvSpPr>
-          <p:nvPr>
-            <p:ph idx="1"/>
-          </p:nvPr>
-        </p:nvSpPr>
-        <p:spPr/>
-        <p:txBody>
-          <a:bodyPr/>
-          <a:lstStyle/>
-          <a:p>
-            <a:r>
-              <a:rPr lang="cs-CZ" b="1" dirty="0" err="1"/>
-              <a:t>OpenFileDialog</a:t>
-            </a:r>
-            <a:r>
-              <a:rPr lang="cs-CZ" b="1" dirty="0"/>
-              <a:t> </a:t>
-            </a:r>
-          </a:p>
-          <a:p>
-            <a:pPr lvl="1"/>
-            <a:r>
-              <a:rPr lang="cs-CZ" dirty="0"/>
-              <a:t>Nativní okno pro výběr souboru, lze nastavit, které typy souboru se mají zobrazit</a:t>
-            </a:r>
-          </a:p>
-          <a:p>
-            <a:r>
-              <a:rPr lang="cs-CZ" b="1" dirty="0" err="1"/>
-              <a:t>SaveFileDialog</a:t>
-            </a:r>
-            <a:endParaRPr lang="cs-CZ" b="1" dirty="0"/>
-          </a:p>
-          <a:p>
-            <a:pPr lvl="1"/>
-            <a:r>
-              <a:rPr lang="cs-CZ" dirty="0"/>
-              <a:t>Nativní okno pro výběr adresáře, kde bude soubor uložen</a:t>
-            </a:r>
-          </a:p>
-          <a:p>
-            <a:r>
-              <a:rPr lang="cs-CZ" dirty="0"/>
-              <a:t>Při práci s modálními dialogovými okny nás zajímá výsledek po zavření</a:t>
-            </a:r>
-          </a:p>
-          <a:p>
-            <a:r>
-              <a:rPr lang="cs-CZ" dirty="0"/>
-              <a:t>Výčtový typ </a:t>
-            </a:r>
-            <a:r>
-              <a:rPr lang="cs-CZ" b="1" dirty="0" err="1"/>
-              <a:t>DialogResult</a:t>
-            </a:r>
-            <a:endParaRPr lang="cs-CZ" b="1" dirty="0"/>
-          </a:p>
-        </p:txBody>
-      </p:sp>
-    </p:spTree>
-    <p:extLst>
-      <p:ext uri="{BB962C8B-B14F-4D97-AF65-F5344CB8AC3E}">
-        <p14:creationId xmlns:p14="http://schemas.microsoft.com/office/powerpoint/2010/main" val="2378399360"/>
+        <p14:creationId xmlns:p14="http://schemas.microsoft.com/office/powerpoint/2010/main" val="2648116641"/>
       </p:ext>
     </p:extLst>
   </p:cSld>
